--- a/database/autoincrement_내장함수.pptx
+++ b/database/autoincrement_내장함수.pptx
@@ -8533,11 +8533,7 @@
             </a:r>
             <a:r>
               <a:rPr lang="ko-KR" altLang="en-US" sz="2400" dirty="0" smtClean="0"/>
-              <a:t>씩 </a:t>
-            </a:r>
-            <a:r>
-              <a:rPr lang="ko-KR" altLang="en-US" sz="2400" dirty="0" smtClean="0"/>
-              <a:t>증가</a:t>
+              <a:t>씩 증가</a:t>
             </a:r>
             <a:endParaRPr lang="en-US" altLang="ko-KR" sz="2400" dirty="0" smtClean="0"/>
           </a:p>
@@ -8564,7 +8560,6 @@
               <a:rPr lang="en-US" altLang="ko-KR" sz="2400" dirty="0" smtClean="0"/>
               <a:t>.</a:t>
             </a:r>
-            <a:endParaRPr lang="en-US" altLang="ko-KR" sz="2400" dirty="0" smtClean="0"/>
           </a:p>
           <a:p>
             <a:pPr marL="0" indent="0">
@@ -8939,11 +8934,7 @@
             </a:pPr>
             <a:r>
               <a:rPr lang="en-US" altLang="ko-KR" sz="2400" dirty="0" smtClean="0"/>
-              <a:t>nm varchar(20)</a:t>
-            </a:r>
-            <a:r>
-              <a:rPr lang="en-US" altLang="ko-KR" sz="2400" dirty="0" smtClean="0"/>
-              <a:t>,</a:t>
+              <a:t>nm varchar(20),</a:t>
             </a:r>
           </a:p>
           <a:p>
@@ -9405,7 +9396,6 @@
               <a:rPr lang="en-US" altLang="ko-KR" sz="2400" dirty="0" smtClean="0"/>
               <a:t> AUTO_INCREMENT;</a:t>
             </a:r>
-            <a:endParaRPr lang="en-US" altLang="ko-KR" sz="2400" dirty="0" smtClean="0"/>
           </a:p>
         </p:txBody>
       </p:sp>
@@ -11041,9 +11031,20 @@
             </a:r>
             <a:r>
               <a:rPr lang="en-US" altLang="ko-KR" sz="1800" dirty="0" smtClean="0"/>
-              <a:t>', ' ', 2);</a:t>
-            </a:r>
-            <a:endParaRPr lang="en-US" altLang="ko-KR" sz="1800" dirty="0" smtClean="0"/>
+              <a:t>', ' </a:t>
+            </a:r>
+            <a:r>
+              <a:rPr lang="en-US" altLang="ko-KR" sz="1800" smtClean="0"/>
+              <a:t>', </a:t>
+            </a:r>
+            <a:r>
+              <a:rPr lang="en-US" altLang="ko-KR" sz="1800" smtClean="0"/>
+              <a:t>-2</a:t>
+            </a:r>
+            <a:r>
+              <a:rPr lang="en-US" altLang="ko-KR" sz="1800" dirty="0" smtClean="0"/>
+              <a:t>);</a:t>
+            </a:r>
           </a:p>
         </p:txBody>
       </p:sp>
